--- a/lab3_Midterm_Report.pptx
+++ b/lab3_Midterm_Report.pptx
@@ -4997,8 +4997,8 @@
           </a:p>
         </p:txBody>
       </p:sp>
-      <mc:AlternateContent xmlns:mc="http://schemas.openxmlformats.org/markup-compatibility/2006">
-        <mc:Choice xmlns:a14="http://schemas.microsoft.com/office/drawing/2010/main" Requires="a14">
+      <mc:AlternateContent xmlns:mc="http://schemas.openxmlformats.org/markup-compatibility/2006" xmlns:a14="http://schemas.microsoft.com/office/drawing/2010/main">
+        <mc:Choice Requires="a14">
           <p:graphicFrame>
             <p:nvGraphicFramePr>
               <p:cNvPr id="5" name="Table 5">
@@ -5568,7 +5568,7 @@
             </a:graphic>
           </p:graphicFrame>
         </mc:Choice>
-        <mc:Fallback>
+        <mc:Fallback xmlns="">
           <p:graphicFrame>
             <p:nvGraphicFramePr>
               <p:cNvPr id="5" name="Table 5">
@@ -6358,7 +6358,7 @@
           <a:p>
             <a:r>
               <a:rPr lang="en-US" dirty="0"/>
-              <a:t>The MPC implementation has an error were is does not differentiate the positive impact a bitrate level has on the buffer, this is because the rebuffering term has a minimum of 0. If we were to decrease the minimum to say -5 this would allow the MPC to gauge the more positive impact that lower bitrate levels enable.</a:t>
+              <a:t>The MPC implementation has an error were is does not differentiate the positive impact a bitrate level has on the buffer, this is because the rebuffering term has a minimum of 0. If we were to decrease the minimum to say -10 this would allow the MPC to gauge the positive impact that lower bitrate levels enable. </a:t>
             </a:r>
           </a:p>
           <a:p>
